--- a/ESP_CODE/GPS_ROBOT.pptx
+++ b/ESP_CODE/GPS_ROBOT.pptx
@@ -6,6 +6,7 @@
   </p:sldMasterIdLst>
   <p:sldIdLst>
     <p:sldId id="256" r:id="rId2"/>
+    <p:sldId id="257" r:id="rId3"/>
   </p:sldIdLst>
   <p:sldSz cx="12192000" cy="6858000"/>
   <p:notesSz cx="6858000" cy="9144000"/>
@@ -104,6 +105,11 @@
       </a:defRPr>
     </a:lvl9pPr>
   </p:defaultTextStyle>
+  <p:extLst>
+    <p:ext uri="{EFAFB233-063F-42B5-8137-9DF3F51BA10A}">
+      <p15:sldGuideLst xmlns:p15="http://schemas.microsoft.com/office/powerpoint/2012/main"/>
+    </p:ext>
+  </p:extLst>
 </p:presentation>
 </file>
 
@@ -254,7 +260,7 @@
           <a:p>
             <a:fld id="{4109F4D2-A3F5-49E7-9ED1-A21FAEE6CBA0}" type="datetimeFigureOut">
               <a:rPr lang="en-US" smtClean="0"/>
-              <a:t>10/13/2024</a:t>
+              <a:t>10/24/2024</a:t>
             </a:fld>
             <a:endParaRPr lang="en-US"/>
           </a:p>
@@ -452,7 +458,7 @@
           <a:p>
             <a:fld id="{4109F4D2-A3F5-49E7-9ED1-A21FAEE6CBA0}" type="datetimeFigureOut">
               <a:rPr lang="en-US" smtClean="0"/>
-              <a:t>10/13/2024</a:t>
+              <a:t>10/24/2024</a:t>
             </a:fld>
             <a:endParaRPr lang="en-US"/>
           </a:p>
@@ -660,7 +666,7 @@
           <a:p>
             <a:fld id="{4109F4D2-A3F5-49E7-9ED1-A21FAEE6CBA0}" type="datetimeFigureOut">
               <a:rPr lang="en-US" smtClean="0"/>
-              <a:t>10/13/2024</a:t>
+              <a:t>10/24/2024</a:t>
             </a:fld>
             <a:endParaRPr lang="en-US"/>
           </a:p>
@@ -858,7 +864,7 @@
           <a:p>
             <a:fld id="{4109F4D2-A3F5-49E7-9ED1-A21FAEE6CBA0}" type="datetimeFigureOut">
               <a:rPr lang="en-US" smtClean="0"/>
-              <a:t>10/13/2024</a:t>
+              <a:t>10/24/2024</a:t>
             </a:fld>
             <a:endParaRPr lang="en-US"/>
           </a:p>
@@ -1133,7 +1139,7 @@
           <a:p>
             <a:fld id="{4109F4D2-A3F5-49E7-9ED1-A21FAEE6CBA0}" type="datetimeFigureOut">
               <a:rPr lang="en-US" smtClean="0"/>
-              <a:t>10/13/2024</a:t>
+              <a:t>10/24/2024</a:t>
             </a:fld>
             <a:endParaRPr lang="en-US"/>
           </a:p>
@@ -1398,7 +1404,7 @@
           <a:p>
             <a:fld id="{4109F4D2-A3F5-49E7-9ED1-A21FAEE6CBA0}" type="datetimeFigureOut">
               <a:rPr lang="en-US" smtClean="0"/>
-              <a:t>10/13/2024</a:t>
+              <a:t>10/24/2024</a:t>
             </a:fld>
             <a:endParaRPr lang="en-US"/>
           </a:p>
@@ -1810,7 +1816,7 @@
           <a:p>
             <a:fld id="{4109F4D2-A3F5-49E7-9ED1-A21FAEE6CBA0}" type="datetimeFigureOut">
               <a:rPr lang="en-US" smtClean="0"/>
-              <a:t>10/13/2024</a:t>
+              <a:t>10/24/2024</a:t>
             </a:fld>
             <a:endParaRPr lang="en-US"/>
           </a:p>
@@ -1951,7 +1957,7 @@
           <a:p>
             <a:fld id="{4109F4D2-A3F5-49E7-9ED1-A21FAEE6CBA0}" type="datetimeFigureOut">
               <a:rPr lang="en-US" smtClean="0"/>
-              <a:t>10/13/2024</a:t>
+              <a:t>10/24/2024</a:t>
             </a:fld>
             <a:endParaRPr lang="en-US"/>
           </a:p>
@@ -2064,7 +2070,7 @@
           <a:p>
             <a:fld id="{4109F4D2-A3F5-49E7-9ED1-A21FAEE6CBA0}" type="datetimeFigureOut">
               <a:rPr lang="en-US" smtClean="0"/>
-              <a:t>10/13/2024</a:t>
+              <a:t>10/24/2024</a:t>
             </a:fld>
             <a:endParaRPr lang="en-US"/>
           </a:p>
@@ -2375,7 +2381,7 @@
           <a:p>
             <a:fld id="{4109F4D2-A3F5-49E7-9ED1-A21FAEE6CBA0}" type="datetimeFigureOut">
               <a:rPr lang="en-US" smtClean="0"/>
-              <a:t>10/13/2024</a:t>
+              <a:t>10/24/2024</a:t>
             </a:fld>
             <a:endParaRPr lang="en-US"/>
           </a:p>
@@ -2663,7 +2669,7 @@
           <a:p>
             <a:fld id="{4109F4D2-A3F5-49E7-9ED1-A21FAEE6CBA0}" type="datetimeFigureOut">
               <a:rPr lang="en-US" smtClean="0"/>
-              <a:t>10/13/2024</a:t>
+              <a:t>10/24/2024</a:t>
             </a:fld>
             <a:endParaRPr lang="en-US"/>
           </a:p>
@@ -2904,7 +2910,7 @@
           <a:p>
             <a:fld id="{4109F4D2-A3F5-49E7-9ED1-A21FAEE6CBA0}" type="datetimeFigureOut">
               <a:rPr lang="en-US" smtClean="0"/>
-              <a:t>10/13/2024</a:t>
+              <a:t>10/24/2024</a:t>
             </a:fld>
             <a:endParaRPr lang="en-US"/>
           </a:p>
@@ -3544,48 +3550,6 @@
             </a:prstGeom>
           </p:spPr>
         </p:pic>
-        <p:cxnSp>
-          <p:nvCxnSpPr>
-            <p:cNvPr id="24" name="Straight Arrow Connector 23">
-              <a:extLst>
-                <a:ext uri="{FF2B5EF4-FFF2-40B4-BE49-F238E27FC236}">
-                  <a16:creationId xmlns:a16="http://schemas.microsoft.com/office/drawing/2014/main" id="{5530976B-48D3-C695-B8AD-8BBC19811C26}"/>
-                </a:ext>
-              </a:extLst>
-            </p:cNvPr>
-            <p:cNvCxnSpPr>
-              <a:cxnSpLocks/>
-            </p:cNvCxnSpPr>
-            <p:nvPr/>
-          </p:nvCxnSpPr>
-          <p:spPr>
-            <a:xfrm flipH="1">
-              <a:off x="6593529" y="1821859"/>
-              <a:ext cx="2617619" cy="14071"/>
-            </a:xfrm>
-            <a:prstGeom prst="straightConnector1">
-              <a:avLst/>
-            </a:prstGeom>
-            <a:ln>
-              <a:headEnd type="triangle"/>
-              <a:tailEnd type="triangle"/>
-            </a:ln>
-          </p:spPr>
-          <p:style>
-            <a:lnRef idx="2">
-              <a:schemeClr val="accent1"/>
-            </a:lnRef>
-            <a:fillRef idx="0">
-              <a:schemeClr val="accent1"/>
-            </a:fillRef>
-            <a:effectRef idx="1">
-              <a:schemeClr val="accent1"/>
-            </a:effectRef>
-            <a:fontRef idx="minor">
-              <a:schemeClr val="tx1"/>
-            </a:fontRef>
-          </p:style>
-        </p:cxnSp>
         <p:cxnSp>
           <p:nvCxnSpPr>
             <p:cNvPr id="27" name="Straight Arrow Connector 26">
@@ -4754,6 +4718,1580 @@
 </p:sld>
 </file>
 
+<file path=ppt/slides/slide2.xml><?xml version="1.0" encoding="utf-8"?>
+<p:sld xmlns:a="http://schemas.openxmlformats.org/drawingml/2006/main" xmlns:r="http://schemas.openxmlformats.org/officeDocument/2006/relationships" xmlns:p="http://schemas.openxmlformats.org/presentationml/2006/main">
+  <p:cSld>
+    <p:spTree>
+      <p:nvGrpSpPr>
+        <p:cNvPr id="1" name=""/>
+        <p:cNvGrpSpPr/>
+        <p:nvPr/>
+      </p:nvGrpSpPr>
+      <p:grpSpPr>
+        <a:xfrm>
+          <a:off x="0" y="0"/>
+          <a:ext cx="0" cy="0"/>
+          <a:chOff x="0" y="0"/>
+          <a:chExt cx="0" cy="0"/>
+        </a:xfrm>
+      </p:grpSpPr>
+      <p:pic>
+        <p:nvPicPr>
+          <p:cNvPr id="1047" name="Picture 1046">
+            <a:extLst>
+              <a:ext uri="{FF2B5EF4-FFF2-40B4-BE49-F238E27FC236}">
+                <a16:creationId xmlns:a16="http://schemas.microsoft.com/office/drawing/2014/main" id="{1743461A-10DB-0EC8-E49C-7CF36C04D9C6}"/>
+              </a:ext>
+            </a:extLst>
+          </p:cNvPr>
+          <p:cNvPicPr>
+            <a:picLocks noChangeAspect="1"/>
+          </p:cNvPicPr>
+          <p:nvPr/>
+        </p:nvPicPr>
+        <p:blipFill>
+          <a:blip r:embed="rId2"/>
+          <a:stretch>
+            <a:fillRect/>
+          </a:stretch>
+        </p:blipFill>
+        <p:spPr>
+          <a:xfrm rot="1504500">
+            <a:off x="5291335" y="4975208"/>
+            <a:ext cx="1181272" cy="1469114"/>
+          </a:xfrm>
+          <a:prstGeom prst="rect">
+            <a:avLst/>
+          </a:prstGeom>
+        </p:spPr>
+      </p:pic>
+      <p:pic>
+        <p:nvPicPr>
+          <p:cNvPr id="1034" name="Picture 1033">
+            <a:extLst>
+              <a:ext uri="{FF2B5EF4-FFF2-40B4-BE49-F238E27FC236}">
+                <a16:creationId xmlns:a16="http://schemas.microsoft.com/office/drawing/2014/main" id="{7A002089-1877-BF1C-A3F6-E74A4C6272C2}"/>
+              </a:ext>
+            </a:extLst>
+          </p:cNvPr>
+          <p:cNvPicPr>
+            <a:picLocks noChangeAspect="1"/>
+          </p:cNvPicPr>
+          <p:nvPr/>
+        </p:nvPicPr>
+        <p:blipFill>
+          <a:blip r:embed="rId3"/>
+          <a:stretch>
+            <a:fillRect/>
+          </a:stretch>
+        </p:blipFill>
+        <p:spPr>
+          <a:xfrm rot="3669613">
+            <a:off x="165305" y="6059032"/>
+            <a:ext cx="788203" cy="527023"/>
+          </a:xfrm>
+          <a:prstGeom prst="rect">
+            <a:avLst/>
+          </a:prstGeom>
+        </p:spPr>
+      </p:pic>
+      <p:sp>
+        <p:nvSpPr>
+          <p:cNvPr id="4" name="TextBox 3">
+            <a:extLst>
+              <a:ext uri="{FF2B5EF4-FFF2-40B4-BE49-F238E27FC236}">
+                <a16:creationId xmlns:a16="http://schemas.microsoft.com/office/drawing/2014/main" id="{DF68B4D0-CB42-C364-91F9-A9F6DE8D3FB2}"/>
+              </a:ext>
+            </a:extLst>
+          </p:cNvPr>
+          <p:cNvSpPr txBox="1"/>
+          <p:nvPr/>
+        </p:nvSpPr>
+        <p:spPr>
+          <a:xfrm>
+            <a:off x="126926" y="63127"/>
+            <a:ext cx="5439685" cy="369332"/>
+          </a:xfrm>
+          <a:prstGeom prst="rect">
+            <a:avLst/>
+          </a:prstGeom>
+          <a:noFill/>
+        </p:spPr>
+        <p:txBody>
+          <a:bodyPr wrap="square" rtlCol="0">
+            <a:spAutoFit/>
+          </a:bodyPr>
+          <a:lstStyle/>
+          <a:p>
+            <a:r>
+              <a:rPr lang="en-US" dirty="0" err="1"/>
+              <a:t>Hướng</a:t>
+            </a:r>
+            <a:r>
+              <a:rPr lang="en-US" dirty="0"/>
+              <a:t> </a:t>
+            </a:r>
+            <a:r>
+              <a:rPr lang="en-US" dirty="0" err="1"/>
+              <a:t>dẫn</a:t>
+            </a:r>
+            <a:r>
+              <a:rPr lang="en-US" dirty="0"/>
+              <a:t> </a:t>
+            </a:r>
+            <a:r>
+              <a:rPr lang="en-US" dirty="0" err="1"/>
+              <a:t>kết</a:t>
+            </a:r>
+            <a:r>
+              <a:rPr lang="en-US" dirty="0"/>
+              <a:t> </a:t>
+            </a:r>
+            <a:r>
+              <a:rPr lang="en-US" dirty="0" err="1"/>
+              <a:t>nối</a:t>
+            </a:r>
+            <a:r>
+              <a:rPr lang="en-US" dirty="0"/>
+              <a:t> Encoder vs PLC vs </a:t>
+            </a:r>
+            <a:r>
+              <a:rPr lang="en-US" dirty="0" err="1"/>
+              <a:t>Nguồn</a:t>
+            </a:r>
+            <a:r>
+              <a:rPr lang="en-US" dirty="0"/>
+              <a:t> + </a:t>
+            </a:r>
+            <a:r>
+              <a:rPr lang="en-US" dirty="0" err="1"/>
+              <a:t>Sạc</a:t>
+            </a:r>
+            <a:endParaRPr lang="en-US" dirty="0"/>
+          </a:p>
+        </p:txBody>
+      </p:sp>
+      <p:grpSp>
+        <p:nvGrpSpPr>
+          <p:cNvPr id="29" name="Group 28">
+            <a:extLst>
+              <a:ext uri="{FF2B5EF4-FFF2-40B4-BE49-F238E27FC236}">
+                <a16:creationId xmlns:a16="http://schemas.microsoft.com/office/drawing/2014/main" id="{5B79CACA-7A84-527A-3EED-3064362A64E5}"/>
+              </a:ext>
+            </a:extLst>
+          </p:cNvPr>
+          <p:cNvGrpSpPr/>
+          <p:nvPr/>
+        </p:nvGrpSpPr>
+        <p:grpSpPr>
+          <a:xfrm>
+            <a:off x="6310030" y="2549689"/>
+            <a:ext cx="5633978" cy="4146312"/>
+            <a:chOff x="4067157" y="924101"/>
+            <a:chExt cx="7411632" cy="5778267"/>
+          </a:xfrm>
+        </p:grpSpPr>
+        <p:pic>
+          <p:nvPicPr>
+            <p:cNvPr id="6" name="Picture 5">
+              <a:extLst>
+                <a:ext uri="{FF2B5EF4-FFF2-40B4-BE49-F238E27FC236}">
+                  <a16:creationId xmlns:a16="http://schemas.microsoft.com/office/drawing/2014/main" id="{32129BE7-2A10-D93E-FC26-3B6DFFABEC2F}"/>
+                </a:ext>
+              </a:extLst>
+            </p:cNvPr>
+            <p:cNvPicPr>
+              <a:picLocks noChangeAspect="1"/>
+            </p:cNvPicPr>
+            <p:nvPr/>
+          </p:nvPicPr>
+          <p:blipFill>
+            <a:blip r:embed="rId4"/>
+            <a:stretch>
+              <a:fillRect/>
+            </a:stretch>
+          </p:blipFill>
+          <p:spPr>
+            <a:xfrm>
+              <a:off x="7355026" y="2200893"/>
+              <a:ext cx="1505160" cy="1495634"/>
+            </a:xfrm>
+            <a:prstGeom prst="rect">
+              <a:avLst/>
+            </a:prstGeom>
+          </p:spPr>
+        </p:pic>
+        <p:pic>
+          <p:nvPicPr>
+            <p:cNvPr id="8" name="Picture 7">
+              <a:extLst>
+                <a:ext uri="{FF2B5EF4-FFF2-40B4-BE49-F238E27FC236}">
+                  <a16:creationId xmlns:a16="http://schemas.microsoft.com/office/drawing/2014/main" id="{BAD96DE6-CEC6-9C8B-20A3-416AF46E35E8}"/>
+                </a:ext>
+              </a:extLst>
+            </p:cNvPr>
+            <p:cNvPicPr>
+              <a:picLocks noChangeAspect="1"/>
+            </p:cNvPicPr>
+            <p:nvPr/>
+          </p:nvPicPr>
+          <p:blipFill>
+            <a:blip r:embed="rId5"/>
+            <a:stretch>
+              <a:fillRect/>
+            </a:stretch>
+          </p:blipFill>
+          <p:spPr>
+            <a:xfrm>
+              <a:off x="4067157" y="2062347"/>
+              <a:ext cx="1816728" cy="4640021"/>
+            </a:xfrm>
+            <a:prstGeom prst="rect">
+              <a:avLst/>
+            </a:prstGeom>
+          </p:spPr>
+        </p:pic>
+        <p:cxnSp>
+          <p:nvCxnSpPr>
+            <p:cNvPr id="10" name="Straight Connector 9">
+              <a:extLst>
+                <a:ext uri="{FF2B5EF4-FFF2-40B4-BE49-F238E27FC236}">
+                  <a16:creationId xmlns:a16="http://schemas.microsoft.com/office/drawing/2014/main" id="{DA960F0D-DB96-6AD5-514E-520AD1CBD10C}"/>
+                </a:ext>
+              </a:extLst>
+            </p:cNvPr>
+            <p:cNvCxnSpPr>
+              <a:cxnSpLocks/>
+            </p:cNvCxnSpPr>
+            <p:nvPr/>
+          </p:nvCxnSpPr>
+          <p:spPr>
+            <a:xfrm>
+              <a:off x="5258650" y="2670524"/>
+              <a:ext cx="2208419" cy="91726"/>
+            </a:xfrm>
+            <a:prstGeom prst="line">
+              <a:avLst/>
+            </a:prstGeom>
+            <a:ln w="38100">
+              <a:solidFill>
+                <a:schemeClr val="tx1"/>
+              </a:solidFill>
+            </a:ln>
+          </p:spPr>
+          <p:style>
+            <a:lnRef idx="2">
+              <a:schemeClr val="accent1"/>
+            </a:lnRef>
+            <a:fillRef idx="0">
+              <a:schemeClr val="accent1"/>
+            </a:fillRef>
+            <a:effectRef idx="1">
+              <a:schemeClr val="accent1"/>
+            </a:effectRef>
+            <a:fontRef idx="minor">
+              <a:schemeClr val="tx1"/>
+            </a:fontRef>
+          </p:style>
+        </p:cxnSp>
+        <p:sp>
+          <p:nvSpPr>
+            <p:cNvPr id="11" name="Rectangle 10">
+              <a:extLst>
+                <a:ext uri="{FF2B5EF4-FFF2-40B4-BE49-F238E27FC236}">
+                  <a16:creationId xmlns:a16="http://schemas.microsoft.com/office/drawing/2014/main" id="{E516733D-0C9F-BE01-95F6-1EE80C0CF9F7}"/>
+                </a:ext>
+              </a:extLst>
+            </p:cNvPr>
+            <p:cNvSpPr/>
+            <p:nvPr/>
+          </p:nvSpPr>
+          <p:spPr>
+            <a:xfrm rot="347660">
+              <a:off x="5253255" y="2929479"/>
+              <a:ext cx="2217170" cy="45719"/>
+            </a:xfrm>
+            <a:prstGeom prst="rect">
+              <a:avLst/>
+            </a:prstGeom>
+            <a:solidFill>
+              <a:schemeClr val="bg1"/>
+            </a:solidFill>
+          </p:spPr>
+          <p:style>
+            <a:lnRef idx="2">
+              <a:schemeClr val="accent1">
+                <a:shade val="15000"/>
+              </a:schemeClr>
+            </a:lnRef>
+            <a:fillRef idx="1">
+              <a:schemeClr val="accent1"/>
+            </a:fillRef>
+            <a:effectRef idx="0">
+              <a:schemeClr val="accent1"/>
+            </a:effectRef>
+            <a:fontRef idx="minor">
+              <a:schemeClr val="lt1"/>
+            </a:fontRef>
+          </p:style>
+          <p:txBody>
+            <a:bodyPr rtlCol="0" anchor="ctr"/>
+            <a:lstStyle/>
+            <a:p>
+              <a:pPr algn="ctr"/>
+              <a:endParaRPr lang="en-US"/>
+            </a:p>
+          </p:txBody>
+        </p:sp>
+        <p:cxnSp>
+          <p:nvCxnSpPr>
+            <p:cNvPr id="13" name="Straight Connector 12">
+              <a:extLst>
+                <a:ext uri="{FF2B5EF4-FFF2-40B4-BE49-F238E27FC236}">
+                  <a16:creationId xmlns:a16="http://schemas.microsoft.com/office/drawing/2014/main" id="{8CFA052B-7BE0-DCAF-9240-F47743ABC27F}"/>
+                </a:ext>
+              </a:extLst>
+            </p:cNvPr>
+            <p:cNvCxnSpPr>
+              <a:cxnSpLocks/>
+            </p:cNvCxnSpPr>
+            <p:nvPr/>
+          </p:nvCxnSpPr>
+          <p:spPr>
+            <a:xfrm>
+              <a:off x="5258650" y="2492375"/>
+              <a:ext cx="2142275" cy="25400"/>
+            </a:xfrm>
+            <a:prstGeom prst="line">
+              <a:avLst/>
+            </a:prstGeom>
+            <a:ln w="38100">
+              <a:solidFill>
+                <a:schemeClr val="accent2">
+                  <a:lumMod val="75000"/>
+                </a:schemeClr>
+              </a:solidFill>
+            </a:ln>
+          </p:spPr>
+          <p:style>
+            <a:lnRef idx="2">
+              <a:schemeClr val="accent1"/>
+            </a:lnRef>
+            <a:fillRef idx="0">
+              <a:schemeClr val="accent1"/>
+            </a:fillRef>
+            <a:effectRef idx="1">
+              <a:schemeClr val="accent1"/>
+            </a:effectRef>
+            <a:fontRef idx="minor">
+              <a:schemeClr val="tx1"/>
+            </a:fontRef>
+          </p:style>
+        </p:cxnSp>
+        <p:cxnSp>
+          <p:nvCxnSpPr>
+            <p:cNvPr id="16" name="Straight Connector 15">
+              <a:extLst>
+                <a:ext uri="{FF2B5EF4-FFF2-40B4-BE49-F238E27FC236}">
+                  <a16:creationId xmlns:a16="http://schemas.microsoft.com/office/drawing/2014/main" id="{093923BB-C42F-08D0-3A50-6263DA102719}"/>
+                </a:ext>
+              </a:extLst>
+            </p:cNvPr>
+            <p:cNvCxnSpPr>
+              <a:cxnSpLocks/>
+            </p:cNvCxnSpPr>
+            <p:nvPr/>
+          </p:nvCxnSpPr>
+          <p:spPr>
+            <a:xfrm flipH="1" flipV="1">
+              <a:off x="6329788" y="1729105"/>
+              <a:ext cx="13549" cy="763270"/>
+            </a:xfrm>
+            <a:prstGeom prst="line">
+              <a:avLst/>
+            </a:prstGeom>
+            <a:ln w="38100">
+              <a:solidFill>
+                <a:schemeClr val="accent2">
+                  <a:lumMod val="75000"/>
+                </a:schemeClr>
+              </a:solidFill>
+            </a:ln>
+          </p:spPr>
+          <p:style>
+            <a:lnRef idx="2">
+              <a:schemeClr val="accent1"/>
+            </a:lnRef>
+            <a:fillRef idx="0">
+              <a:schemeClr val="accent1"/>
+            </a:fillRef>
+            <a:effectRef idx="1">
+              <a:schemeClr val="accent1"/>
+            </a:effectRef>
+            <a:fontRef idx="minor">
+              <a:schemeClr val="tx1"/>
+            </a:fontRef>
+          </p:style>
+        </p:cxnSp>
+        <p:sp>
+          <p:nvSpPr>
+            <p:cNvPr id="19" name="TextBox 18">
+              <a:extLst>
+                <a:ext uri="{FF2B5EF4-FFF2-40B4-BE49-F238E27FC236}">
+                  <a16:creationId xmlns:a16="http://schemas.microsoft.com/office/drawing/2014/main" id="{DFF4A355-D913-6B46-D9A0-F41E7256BFB6}"/>
+                </a:ext>
+              </a:extLst>
+            </p:cNvPr>
+            <p:cNvSpPr txBox="1"/>
+            <p:nvPr/>
+          </p:nvSpPr>
+          <p:spPr>
+            <a:xfrm>
+              <a:off x="6388099" y="1555750"/>
+              <a:ext cx="800099" cy="369332"/>
+            </a:xfrm>
+            <a:prstGeom prst="rect">
+              <a:avLst/>
+            </a:prstGeom>
+            <a:noFill/>
+          </p:spPr>
+          <p:txBody>
+            <a:bodyPr wrap="square" rtlCol="0">
+              <a:spAutoFit/>
+            </a:bodyPr>
+            <a:lstStyle/>
+            <a:p>
+              <a:r>
+                <a:rPr lang="en-US" dirty="0">
+                  <a:solidFill>
+                    <a:srgbClr val="FF0000"/>
+                  </a:solidFill>
+                </a:rPr>
+                <a:t>24V</a:t>
+              </a:r>
+            </a:p>
+          </p:txBody>
+        </p:sp>
+        <p:cxnSp>
+          <p:nvCxnSpPr>
+            <p:cNvPr id="23" name="Straight Connector 22">
+              <a:extLst>
+                <a:ext uri="{FF2B5EF4-FFF2-40B4-BE49-F238E27FC236}">
+                  <a16:creationId xmlns:a16="http://schemas.microsoft.com/office/drawing/2014/main" id="{42F9CA3E-D440-5CF6-07D4-9E3B02E2404C}"/>
+                </a:ext>
+              </a:extLst>
+            </p:cNvPr>
+            <p:cNvCxnSpPr>
+              <a:cxnSpLocks/>
+            </p:cNvCxnSpPr>
+            <p:nvPr/>
+          </p:nvCxnSpPr>
+          <p:spPr>
+            <a:xfrm>
+              <a:off x="6388099" y="3486150"/>
+              <a:ext cx="1012826" cy="0"/>
+            </a:xfrm>
+            <a:prstGeom prst="line">
+              <a:avLst/>
+            </a:prstGeom>
+            <a:ln w="38100">
+              <a:solidFill>
+                <a:schemeClr val="tx2">
+                  <a:lumMod val="75000"/>
+                  <a:lumOff val="25000"/>
+                </a:schemeClr>
+              </a:solidFill>
+            </a:ln>
+          </p:spPr>
+          <p:style>
+            <a:lnRef idx="2">
+              <a:schemeClr val="accent1"/>
+            </a:lnRef>
+            <a:fillRef idx="0">
+              <a:schemeClr val="accent1"/>
+            </a:fillRef>
+            <a:effectRef idx="1">
+              <a:schemeClr val="accent1"/>
+            </a:effectRef>
+            <a:fontRef idx="minor">
+              <a:schemeClr val="tx1"/>
+            </a:fontRef>
+          </p:style>
+        </p:cxnSp>
+        <p:sp>
+          <p:nvSpPr>
+            <p:cNvPr id="26" name="TextBox 25">
+              <a:extLst>
+                <a:ext uri="{FF2B5EF4-FFF2-40B4-BE49-F238E27FC236}">
+                  <a16:creationId xmlns:a16="http://schemas.microsoft.com/office/drawing/2014/main" id="{339C36B0-D73F-735C-F006-C657A3A76B37}"/>
+                </a:ext>
+              </a:extLst>
+            </p:cNvPr>
+            <p:cNvSpPr txBox="1"/>
+            <p:nvPr/>
+          </p:nvSpPr>
+          <p:spPr>
+            <a:xfrm>
+              <a:off x="6213466" y="3472998"/>
+              <a:ext cx="800099" cy="369332"/>
+            </a:xfrm>
+            <a:prstGeom prst="rect">
+              <a:avLst/>
+            </a:prstGeom>
+            <a:noFill/>
+          </p:spPr>
+          <p:txBody>
+            <a:bodyPr wrap="square" rtlCol="0">
+              <a:spAutoFit/>
+            </a:bodyPr>
+            <a:lstStyle/>
+            <a:p>
+              <a:r>
+                <a:rPr lang="en-US" dirty="0">
+                  <a:solidFill>
+                    <a:srgbClr val="FF0000"/>
+                  </a:solidFill>
+                </a:rPr>
+                <a:t>0V</a:t>
+              </a:r>
+            </a:p>
+          </p:txBody>
+        </p:sp>
+        <p:pic>
+          <p:nvPicPr>
+            <p:cNvPr id="28" name="Picture 27">
+              <a:extLst>
+                <a:ext uri="{FF2B5EF4-FFF2-40B4-BE49-F238E27FC236}">
+                  <a16:creationId xmlns:a16="http://schemas.microsoft.com/office/drawing/2014/main" id="{CF4AAAF6-5F2A-4504-EDD3-EC15635C1B3B}"/>
+                </a:ext>
+              </a:extLst>
+            </p:cNvPr>
+            <p:cNvPicPr>
+              <a:picLocks noChangeAspect="1"/>
+            </p:cNvPicPr>
+            <p:nvPr/>
+          </p:nvPicPr>
+          <p:blipFill>
+            <a:blip r:embed="rId6"/>
+            <a:stretch>
+              <a:fillRect/>
+            </a:stretch>
+          </p:blipFill>
+          <p:spPr>
+            <a:xfrm>
+              <a:off x="8762068" y="924101"/>
+              <a:ext cx="2716721" cy="2447572"/>
+            </a:xfrm>
+            <a:prstGeom prst="rect">
+              <a:avLst/>
+            </a:prstGeom>
+          </p:spPr>
+        </p:pic>
+      </p:grpSp>
+      <p:pic>
+        <p:nvPicPr>
+          <p:cNvPr id="31" name="Picture 30">
+            <a:extLst>
+              <a:ext uri="{FF2B5EF4-FFF2-40B4-BE49-F238E27FC236}">
+                <a16:creationId xmlns:a16="http://schemas.microsoft.com/office/drawing/2014/main" id="{D2038517-16C8-E59D-3934-5795434A0DD6}"/>
+              </a:ext>
+            </a:extLst>
+          </p:cNvPr>
+          <p:cNvPicPr>
+            <a:picLocks noChangeAspect="1"/>
+          </p:cNvPicPr>
+          <p:nvPr/>
+        </p:nvPicPr>
+        <p:blipFill>
+          <a:blip r:embed="rId7"/>
+          <a:stretch>
+            <a:fillRect/>
+          </a:stretch>
+        </p:blipFill>
+        <p:spPr>
+          <a:xfrm>
+            <a:off x="3001449" y="2670554"/>
+            <a:ext cx="1655568" cy="1068968"/>
+          </a:xfrm>
+          <a:prstGeom prst="rect">
+            <a:avLst/>
+          </a:prstGeom>
+        </p:spPr>
+      </p:pic>
+      <p:cxnSp>
+        <p:nvCxnSpPr>
+          <p:cNvPr id="35" name="Straight Connector 34">
+            <a:extLst>
+              <a:ext uri="{FF2B5EF4-FFF2-40B4-BE49-F238E27FC236}">
+                <a16:creationId xmlns:a16="http://schemas.microsoft.com/office/drawing/2014/main" id="{6E1EB8EC-25B2-B420-35A0-684C00F15474}"/>
+              </a:ext>
+            </a:extLst>
+          </p:cNvPr>
+          <p:cNvCxnSpPr>
+            <a:cxnSpLocks/>
+            <a:stCxn id="19" idx="1"/>
+          </p:cNvCxnSpPr>
+          <p:nvPr/>
+        </p:nvCxnSpPr>
+        <p:spPr>
+          <a:xfrm flipH="1" flipV="1">
+            <a:off x="4579683" y="3127336"/>
+            <a:ext cx="3494619" cy="8116"/>
+          </a:xfrm>
+          <a:prstGeom prst="line">
+            <a:avLst/>
+          </a:prstGeom>
+          <a:ln w="38100">
+            <a:solidFill>
+              <a:schemeClr val="accent2">
+                <a:lumMod val="75000"/>
+              </a:schemeClr>
+            </a:solidFill>
+          </a:ln>
+        </p:spPr>
+        <p:style>
+          <a:lnRef idx="2">
+            <a:schemeClr val="accent1"/>
+          </a:lnRef>
+          <a:fillRef idx="0">
+            <a:schemeClr val="accent1"/>
+          </a:fillRef>
+          <a:effectRef idx="1">
+            <a:schemeClr val="accent1"/>
+          </a:effectRef>
+          <a:fontRef idx="minor">
+            <a:schemeClr val="tx1"/>
+          </a:fontRef>
+        </p:style>
+      </p:cxnSp>
+      <p:cxnSp>
+        <p:nvCxnSpPr>
+          <p:cNvPr id="37" name="Straight Connector 36">
+            <a:extLst>
+              <a:ext uri="{FF2B5EF4-FFF2-40B4-BE49-F238E27FC236}">
+                <a16:creationId xmlns:a16="http://schemas.microsoft.com/office/drawing/2014/main" id="{CC4A129D-97E4-4ED4-FB46-D0BF7F42CFF1}"/>
+              </a:ext>
+            </a:extLst>
+          </p:cNvPr>
+          <p:cNvCxnSpPr>
+            <a:cxnSpLocks/>
+          </p:cNvCxnSpPr>
+          <p:nvPr/>
+        </p:nvCxnSpPr>
+        <p:spPr>
+          <a:xfrm>
+            <a:off x="4579683" y="3234094"/>
+            <a:ext cx="317839" cy="0"/>
+          </a:xfrm>
+          <a:prstGeom prst="line">
+            <a:avLst/>
+          </a:prstGeom>
+          <a:ln w="38100">
+            <a:solidFill>
+              <a:schemeClr val="tx2">
+                <a:lumMod val="75000"/>
+                <a:lumOff val="25000"/>
+              </a:schemeClr>
+            </a:solidFill>
+          </a:ln>
+        </p:spPr>
+        <p:style>
+          <a:lnRef idx="2">
+            <a:schemeClr val="accent1"/>
+          </a:lnRef>
+          <a:fillRef idx="0">
+            <a:schemeClr val="accent1"/>
+          </a:fillRef>
+          <a:effectRef idx="1">
+            <a:schemeClr val="accent1"/>
+          </a:effectRef>
+          <a:fontRef idx="minor">
+            <a:schemeClr val="tx1"/>
+          </a:fontRef>
+        </p:style>
+      </p:cxnSp>
+      <p:cxnSp>
+        <p:nvCxnSpPr>
+          <p:cNvPr id="39" name="Straight Connector 38">
+            <a:extLst>
+              <a:ext uri="{FF2B5EF4-FFF2-40B4-BE49-F238E27FC236}">
+                <a16:creationId xmlns:a16="http://schemas.microsoft.com/office/drawing/2014/main" id="{582C89D6-468E-F3ED-B345-EF935AF0EEFE}"/>
+              </a:ext>
+            </a:extLst>
+          </p:cNvPr>
+          <p:cNvCxnSpPr>
+            <a:cxnSpLocks/>
+          </p:cNvCxnSpPr>
+          <p:nvPr/>
+        </p:nvCxnSpPr>
+        <p:spPr>
+          <a:xfrm>
+            <a:off x="4897522" y="3226830"/>
+            <a:ext cx="0" cy="2127265"/>
+          </a:xfrm>
+          <a:prstGeom prst="line">
+            <a:avLst/>
+          </a:prstGeom>
+          <a:ln w="38100">
+            <a:solidFill>
+              <a:schemeClr val="tx2">
+                <a:lumMod val="75000"/>
+                <a:lumOff val="25000"/>
+              </a:schemeClr>
+            </a:solidFill>
+          </a:ln>
+        </p:spPr>
+        <p:style>
+          <a:lnRef idx="2">
+            <a:schemeClr val="accent1"/>
+          </a:lnRef>
+          <a:fillRef idx="0">
+            <a:schemeClr val="accent1"/>
+          </a:fillRef>
+          <a:effectRef idx="1">
+            <a:schemeClr val="accent1"/>
+          </a:effectRef>
+          <a:fontRef idx="minor">
+            <a:schemeClr val="tx1"/>
+          </a:fontRef>
+        </p:style>
+      </p:cxnSp>
+      <p:sp>
+        <p:nvSpPr>
+          <p:cNvPr id="42" name="TextBox 41">
+            <a:extLst>
+              <a:ext uri="{FF2B5EF4-FFF2-40B4-BE49-F238E27FC236}">
+                <a16:creationId xmlns:a16="http://schemas.microsoft.com/office/drawing/2014/main" id="{BF0D0BA0-21E2-5D80-FE2D-FFD243ACC5B5}"/>
+              </a:ext>
+            </a:extLst>
+          </p:cNvPr>
+          <p:cNvSpPr txBox="1"/>
+          <p:nvPr/>
+        </p:nvSpPr>
+        <p:spPr>
+          <a:xfrm>
+            <a:off x="4534210" y="3667199"/>
+            <a:ext cx="608198" cy="265022"/>
+          </a:xfrm>
+          <a:prstGeom prst="rect">
+            <a:avLst/>
+          </a:prstGeom>
+          <a:noFill/>
+        </p:spPr>
+        <p:txBody>
+          <a:bodyPr wrap="square" rtlCol="0">
+            <a:spAutoFit/>
+          </a:bodyPr>
+          <a:lstStyle/>
+          <a:p>
+            <a:r>
+              <a:rPr lang="en-US" dirty="0">
+                <a:solidFill>
+                  <a:srgbClr val="FF0000"/>
+                </a:solidFill>
+              </a:rPr>
+              <a:t>0V</a:t>
+            </a:r>
+          </a:p>
+        </p:txBody>
+      </p:sp>
+      <p:pic>
+        <p:nvPicPr>
+          <p:cNvPr id="44" name="Picture 43">
+            <a:extLst>
+              <a:ext uri="{FF2B5EF4-FFF2-40B4-BE49-F238E27FC236}">
+                <a16:creationId xmlns:a16="http://schemas.microsoft.com/office/drawing/2014/main" id="{EB9830C5-6ECB-0328-BD6E-388DCE11008D}"/>
+              </a:ext>
+            </a:extLst>
+          </p:cNvPr>
+          <p:cNvPicPr>
+            <a:picLocks noChangeAspect="1"/>
+          </p:cNvPicPr>
+          <p:nvPr/>
+        </p:nvPicPr>
+        <p:blipFill>
+          <a:blip r:embed="rId8"/>
+          <a:stretch>
+            <a:fillRect/>
+          </a:stretch>
+        </p:blipFill>
+        <p:spPr>
+          <a:xfrm flipH="1">
+            <a:off x="2692606" y="709963"/>
+            <a:ext cx="2777752" cy="1774915"/>
+          </a:xfrm>
+          <a:prstGeom prst="rect">
+            <a:avLst/>
+          </a:prstGeom>
+        </p:spPr>
+      </p:pic>
+      <p:cxnSp>
+        <p:nvCxnSpPr>
+          <p:cNvPr id="47" name="Straight Connector 46">
+            <a:extLst>
+              <a:ext uri="{FF2B5EF4-FFF2-40B4-BE49-F238E27FC236}">
+                <a16:creationId xmlns:a16="http://schemas.microsoft.com/office/drawing/2014/main" id="{08331753-A054-6949-A597-77EB802AE0E7}"/>
+              </a:ext>
+            </a:extLst>
+          </p:cNvPr>
+          <p:cNvCxnSpPr>
+            <a:cxnSpLocks/>
+          </p:cNvCxnSpPr>
+          <p:nvPr/>
+        </p:nvCxnSpPr>
+        <p:spPr>
+          <a:xfrm flipH="1">
+            <a:off x="891913" y="1379621"/>
+            <a:ext cx="2109536" cy="0"/>
+          </a:xfrm>
+          <a:prstGeom prst="line">
+            <a:avLst/>
+          </a:prstGeom>
+          <a:ln w="38100">
+            <a:solidFill>
+              <a:srgbClr val="FF0000"/>
+            </a:solidFill>
+          </a:ln>
+        </p:spPr>
+        <p:style>
+          <a:lnRef idx="2">
+            <a:schemeClr val="accent1"/>
+          </a:lnRef>
+          <a:fillRef idx="0">
+            <a:schemeClr val="accent1"/>
+          </a:fillRef>
+          <a:effectRef idx="1">
+            <a:schemeClr val="accent1"/>
+          </a:effectRef>
+          <a:fontRef idx="minor">
+            <a:schemeClr val="tx1"/>
+          </a:fontRef>
+        </p:style>
+      </p:cxnSp>
+      <p:cxnSp>
+        <p:nvCxnSpPr>
+          <p:cNvPr id="49" name="Straight Connector 48">
+            <a:extLst>
+              <a:ext uri="{FF2B5EF4-FFF2-40B4-BE49-F238E27FC236}">
+                <a16:creationId xmlns:a16="http://schemas.microsoft.com/office/drawing/2014/main" id="{1784C792-ED0E-6F28-9C82-EE2A54B3CDDB}"/>
+              </a:ext>
+            </a:extLst>
+          </p:cNvPr>
+          <p:cNvCxnSpPr>
+            <a:cxnSpLocks/>
+          </p:cNvCxnSpPr>
+          <p:nvPr/>
+        </p:nvCxnSpPr>
+        <p:spPr>
+          <a:xfrm>
+            <a:off x="2271534" y="1371600"/>
+            <a:ext cx="0" cy="1685219"/>
+          </a:xfrm>
+          <a:prstGeom prst="line">
+            <a:avLst/>
+          </a:prstGeom>
+          <a:ln w="38100">
+            <a:solidFill>
+              <a:srgbClr val="FF0000"/>
+            </a:solidFill>
+          </a:ln>
+        </p:spPr>
+        <p:style>
+          <a:lnRef idx="2">
+            <a:schemeClr val="accent1"/>
+          </a:lnRef>
+          <a:fillRef idx="0">
+            <a:schemeClr val="accent1"/>
+          </a:fillRef>
+          <a:effectRef idx="1">
+            <a:schemeClr val="accent1"/>
+          </a:effectRef>
+          <a:fontRef idx="minor">
+            <a:schemeClr val="tx1"/>
+          </a:fontRef>
+        </p:style>
+      </p:cxnSp>
+      <p:cxnSp>
+        <p:nvCxnSpPr>
+          <p:cNvPr id="53" name="Straight Connector 52">
+            <a:extLst>
+              <a:ext uri="{FF2B5EF4-FFF2-40B4-BE49-F238E27FC236}">
+                <a16:creationId xmlns:a16="http://schemas.microsoft.com/office/drawing/2014/main" id="{52008D63-A428-0370-E75D-68DE84A7B374}"/>
+              </a:ext>
+            </a:extLst>
+          </p:cNvPr>
+          <p:cNvCxnSpPr>
+            <a:cxnSpLocks/>
+          </p:cNvCxnSpPr>
+          <p:nvPr/>
+        </p:nvCxnSpPr>
+        <p:spPr>
+          <a:xfrm>
+            <a:off x="2263513" y="3056819"/>
+            <a:ext cx="729915" cy="8021"/>
+          </a:xfrm>
+          <a:prstGeom prst="line">
+            <a:avLst/>
+          </a:prstGeom>
+          <a:ln w="38100">
+            <a:solidFill>
+              <a:srgbClr val="FF0000"/>
+            </a:solidFill>
+          </a:ln>
+        </p:spPr>
+        <p:style>
+          <a:lnRef idx="2">
+            <a:schemeClr val="accent1"/>
+          </a:lnRef>
+          <a:fillRef idx="0">
+            <a:schemeClr val="accent1"/>
+          </a:fillRef>
+          <a:effectRef idx="1">
+            <a:schemeClr val="accent1"/>
+          </a:effectRef>
+          <a:fontRef idx="minor">
+            <a:schemeClr val="tx1"/>
+          </a:fontRef>
+        </p:style>
+      </p:cxnSp>
+      <p:cxnSp>
+        <p:nvCxnSpPr>
+          <p:cNvPr id="57" name="Straight Connector 56">
+            <a:extLst>
+              <a:ext uri="{FF2B5EF4-FFF2-40B4-BE49-F238E27FC236}">
+                <a16:creationId xmlns:a16="http://schemas.microsoft.com/office/drawing/2014/main" id="{68689C1A-BB2B-4B9D-94B6-F2943C849002}"/>
+              </a:ext>
+            </a:extLst>
+          </p:cNvPr>
+          <p:cNvCxnSpPr/>
+          <p:nvPr/>
+        </p:nvCxnSpPr>
+        <p:spPr>
+          <a:xfrm flipH="1">
+            <a:off x="1917032" y="938463"/>
+            <a:ext cx="1230042" cy="0"/>
+          </a:xfrm>
+          <a:prstGeom prst="line">
+            <a:avLst/>
+          </a:prstGeom>
+          <a:ln w="38100">
+            <a:solidFill>
+              <a:srgbClr val="0070C0"/>
+            </a:solidFill>
+          </a:ln>
+        </p:spPr>
+        <p:style>
+          <a:lnRef idx="2">
+            <a:schemeClr val="accent1"/>
+          </a:lnRef>
+          <a:fillRef idx="0">
+            <a:schemeClr val="accent1"/>
+          </a:fillRef>
+          <a:effectRef idx="1">
+            <a:schemeClr val="accent1"/>
+          </a:effectRef>
+          <a:fontRef idx="minor">
+            <a:schemeClr val="tx1"/>
+          </a:fontRef>
+        </p:style>
+      </p:cxnSp>
+      <p:cxnSp>
+        <p:nvCxnSpPr>
+          <p:cNvPr id="58" name="Straight Connector 57">
+            <a:extLst>
+              <a:ext uri="{FF2B5EF4-FFF2-40B4-BE49-F238E27FC236}">
+                <a16:creationId xmlns:a16="http://schemas.microsoft.com/office/drawing/2014/main" id="{9C863188-455D-56EF-247A-FA5C98AD3659}"/>
+              </a:ext>
+            </a:extLst>
+          </p:cNvPr>
+          <p:cNvCxnSpPr>
+            <a:cxnSpLocks/>
+          </p:cNvCxnSpPr>
+          <p:nvPr/>
+        </p:nvCxnSpPr>
+        <p:spPr>
+          <a:xfrm flipV="1">
+            <a:off x="1933074" y="938463"/>
+            <a:ext cx="0" cy="2357385"/>
+          </a:xfrm>
+          <a:prstGeom prst="line">
+            <a:avLst/>
+          </a:prstGeom>
+          <a:ln w="38100">
+            <a:solidFill>
+              <a:srgbClr val="0070C0"/>
+            </a:solidFill>
+          </a:ln>
+        </p:spPr>
+        <p:style>
+          <a:lnRef idx="2">
+            <a:schemeClr val="accent1"/>
+          </a:lnRef>
+          <a:fillRef idx="0">
+            <a:schemeClr val="accent1"/>
+          </a:fillRef>
+          <a:effectRef idx="1">
+            <a:schemeClr val="accent1"/>
+          </a:effectRef>
+          <a:fontRef idx="minor">
+            <a:schemeClr val="tx1"/>
+          </a:fontRef>
+        </p:style>
+      </p:cxnSp>
+      <p:sp>
+        <p:nvSpPr>
+          <p:cNvPr id="1027" name="TextBox 1026">
+            <a:extLst>
+              <a:ext uri="{FF2B5EF4-FFF2-40B4-BE49-F238E27FC236}">
+                <a16:creationId xmlns:a16="http://schemas.microsoft.com/office/drawing/2014/main" id="{A539D310-4CE1-CCB2-9E4E-AFD212AC6C80}"/>
+              </a:ext>
+            </a:extLst>
+          </p:cNvPr>
+          <p:cNvSpPr txBox="1"/>
+          <p:nvPr/>
+        </p:nvSpPr>
+        <p:spPr>
+          <a:xfrm>
+            <a:off x="2345536" y="2750629"/>
+            <a:ext cx="608198" cy="265022"/>
+          </a:xfrm>
+          <a:prstGeom prst="rect">
+            <a:avLst/>
+          </a:prstGeom>
+          <a:noFill/>
+        </p:spPr>
+        <p:txBody>
+          <a:bodyPr wrap="square" rtlCol="0">
+            <a:spAutoFit/>
+          </a:bodyPr>
+          <a:lstStyle/>
+          <a:p>
+            <a:r>
+              <a:rPr lang="en-US" dirty="0">
+                <a:solidFill>
+                  <a:srgbClr val="FF0000"/>
+                </a:solidFill>
+              </a:rPr>
+              <a:t>24V</a:t>
+            </a:r>
+          </a:p>
+        </p:txBody>
+      </p:sp>
+      <p:cxnSp>
+        <p:nvCxnSpPr>
+          <p:cNvPr id="61" name="Straight Connector 60">
+            <a:extLst>
+              <a:ext uri="{FF2B5EF4-FFF2-40B4-BE49-F238E27FC236}">
+                <a16:creationId xmlns:a16="http://schemas.microsoft.com/office/drawing/2014/main" id="{3CD6562E-2E7D-13F7-290B-0488D089C421}"/>
+              </a:ext>
+            </a:extLst>
+          </p:cNvPr>
+          <p:cNvCxnSpPr>
+            <a:cxnSpLocks/>
+          </p:cNvCxnSpPr>
+          <p:nvPr/>
+        </p:nvCxnSpPr>
+        <p:spPr>
+          <a:xfrm flipH="1">
+            <a:off x="943993" y="3271393"/>
+            <a:ext cx="2128687" cy="24455"/>
+          </a:xfrm>
+          <a:prstGeom prst="line">
+            <a:avLst/>
+          </a:prstGeom>
+          <a:ln w="38100">
+            <a:solidFill>
+              <a:srgbClr val="0070C0"/>
+            </a:solidFill>
+          </a:ln>
+        </p:spPr>
+        <p:style>
+          <a:lnRef idx="2">
+            <a:schemeClr val="accent1"/>
+          </a:lnRef>
+          <a:fillRef idx="0">
+            <a:schemeClr val="accent1"/>
+          </a:fillRef>
+          <a:effectRef idx="1">
+            <a:schemeClr val="accent1"/>
+          </a:effectRef>
+          <a:fontRef idx="minor">
+            <a:schemeClr val="tx1"/>
+          </a:fontRef>
+        </p:style>
+      </p:cxnSp>
+      <p:sp>
+        <p:nvSpPr>
+          <p:cNvPr id="1029" name="TextBox 1028">
+            <a:extLst>
+              <a:ext uri="{FF2B5EF4-FFF2-40B4-BE49-F238E27FC236}">
+                <a16:creationId xmlns:a16="http://schemas.microsoft.com/office/drawing/2014/main" id="{D094830A-DDCA-B9F4-98E7-B2D4D3205F2E}"/>
+              </a:ext>
+            </a:extLst>
+          </p:cNvPr>
+          <p:cNvSpPr txBox="1"/>
+          <p:nvPr/>
+        </p:nvSpPr>
+        <p:spPr>
+          <a:xfrm>
+            <a:off x="2205103" y="3322570"/>
+            <a:ext cx="608198" cy="265022"/>
+          </a:xfrm>
+          <a:prstGeom prst="rect">
+            <a:avLst/>
+          </a:prstGeom>
+          <a:noFill/>
+        </p:spPr>
+        <p:txBody>
+          <a:bodyPr wrap="square" rtlCol="0">
+            <a:spAutoFit/>
+          </a:bodyPr>
+          <a:lstStyle/>
+          <a:p>
+            <a:r>
+              <a:rPr lang="en-US" dirty="0">
+                <a:solidFill>
+                  <a:srgbClr val="FF0000"/>
+                </a:solidFill>
+              </a:rPr>
+              <a:t>0V</a:t>
+            </a:r>
+          </a:p>
+        </p:txBody>
+      </p:sp>
+      <p:sp>
+        <p:nvSpPr>
+          <p:cNvPr id="1030" name="TextBox 1029">
+            <a:extLst>
+              <a:ext uri="{FF2B5EF4-FFF2-40B4-BE49-F238E27FC236}">
+                <a16:creationId xmlns:a16="http://schemas.microsoft.com/office/drawing/2014/main" id="{32208ABC-A5DB-7345-DD5F-0BDB80C79F63}"/>
+              </a:ext>
+            </a:extLst>
+          </p:cNvPr>
+          <p:cNvSpPr txBox="1"/>
+          <p:nvPr/>
+        </p:nvSpPr>
+        <p:spPr>
+          <a:xfrm>
+            <a:off x="2362191" y="3645622"/>
+            <a:ext cx="2388171" cy="369332"/>
+          </a:xfrm>
+          <a:prstGeom prst="rect">
+            <a:avLst/>
+          </a:prstGeom>
+          <a:noFill/>
+        </p:spPr>
+        <p:txBody>
+          <a:bodyPr wrap="square" rtlCol="0">
+            <a:spAutoFit/>
+          </a:bodyPr>
+          <a:lstStyle/>
+          <a:p>
+            <a:r>
+              <a:rPr lang="en-US" dirty="0" err="1"/>
+              <a:t>Mạch</a:t>
+            </a:r>
+            <a:r>
+              <a:rPr lang="en-US" dirty="0"/>
+              <a:t> </a:t>
+            </a:r>
+            <a:r>
+              <a:rPr lang="en-US" dirty="0" err="1"/>
+              <a:t>giảm</a:t>
+            </a:r>
+            <a:r>
+              <a:rPr lang="en-US" dirty="0"/>
+              <a:t> </a:t>
+            </a:r>
+            <a:r>
+              <a:rPr lang="en-US" dirty="0" err="1"/>
+              <a:t>áp</a:t>
+            </a:r>
+            <a:r>
+              <a:rPr lang="en-US" dirty="0"/>
+              <a:t> - </a:t>
+            </a:r>
+            <a:r>
+              <a:rPr lang="en-US" dirty="0" err="1"/>
+              <a:t>ổn</a:t>
+            </a:r>
+            <a:r>
+              <a:rPr lang="en-US" dirty="0"/>
+              <a:t> </a:t>
+            </a:r>
+            <a:r>
+              <a:rPr lang="en-US" dirty="0" err="1"/>
+              <a:t>áp</a:t>
+            </a:r>
+            <a:endParaRPr lang="en-US" dirty="0"/>
+          </a:p>
+        </p:txBody>
+      </p:sp>
+      <p:pic>
+        <p:nvPicPr>
+          <p:cNvPr id="1032" name="Picture 1031">
+            <a:extLst>
+              <a:ext uri="{FF2B5EF4-FFF2-40B4-BE49-F238E27FC236}">
+                <a16:creationId xmlns:a16="http://schemas.microsoft.com/office/drawing/2014/main" id="{9C474F10-232F-6A81-DD5A-3C910337E3C9}"/>
+              </a:ext>
+            </a:extLst>
+          </p:cNvPr>
+          <p:cNvPicPr>
+            <a:picLocks noChangeAspect="1"/>
+          </p:cNvPicPr>
+          <p:nvPr/>
+        </p:nvPicPr>
+        <p:blipFill>
+          <a:blip r:embed="rId9"/>
+          <a:stretch>
+            <a:fillRect/>
+          </a:stretch>
+        </p:blipFill>
+        <p:spPr>
+          <a:xfrm rot="16200000">
+            <a:off x="-317423" y="4007493"/>
+            <a:ext cx="2589513" cy="1230705"/>
+          </a:xfrm>
+          <a:prstGeom prst="rect">
+            <a:avLst/>
+          </a:prstGeom>
+        </p:spPr>
+      </p:pic>
+      <p:cxnSp>
+        <p:nvCxnSpPr>
+          <p:cNvPr id="1035" name="Straight Connector 1034">
+            <a:extLst>
+              <a:ext uri="{FF2B5EF4-FFF2-40B4-BE49-F238E27FC236}">
+                <a16:creationId xmlns:a16="http://schemas.microsoft.com/office/drawing/2014/main" id="{6C84B031-5176-7773-8891-F1EA79C17C0D}"/>
+              </a:ext>
+            </a:extLst>
+          </p:cNvPr>
+          <p:cNvCxnSpPr>
+            <a:cxnSpLocks/>
+          </p:cNvCxnSpPr>
+          <p:nvPr/>
+        </p:nvCxnSpPr>
+        <p:spPr>
+          <a:xfrm>
+            <a:off x="899934" y="1371600"/>
+            <a:ext cx="0" cy="1985629"/>
+          </a:xfrm>
+          <a:prstGeom prst="line">
+            <a:avLst/>
+          </a:prstGeom>
+          <a:ln w="38100">
+            <a:solidFill>
+              <a:srgbClr val="FF0000"/>
+            </a:solidFill>
+          </a:ln>
+        </p:spPr>
+        <p:style>
+          <a:lnRef idx="2">
+            <a:schemeClr val="accent1"/>
+          </a:lnRef>
+          <a:fillRef idx="0">
+            <a:schemeClr val="accent1"/>
+          </a:fillRef>
+          <a:effectRef idx="1">
+            <a:schemeClr val="accent1"/>
+          </a:effectRef>
+          <a:fontRef idx="minor">
+            <a:schemeClr val="tx1"/>
+          </a:fontRef>
+        </p:style>
+      </p:cxnSp>
+      <p:cxnSp>
+        <p:nvCxnSpPr>
+          <p:cNvPr id="1042" name="Straight Connector 1041">
+            <a:extLst>
+              <a:ext uri="{FF2B5EF4-FFF2-40B4-BE49-F238E27FC236}">
+                <a16:creationId xmlns:a16="http://schemas.microsoft.com/office/drawing/2014/main" id="{F5B4265C-0949-5FDE-A8CE-9D02300125A3}"/>
+              </a:ext>
+            </a:extLst>
+          </p:cNvPr>
+          <p:cNvCxnSpPr>
+            <a:cxnSpLocks/>
+          </p:cNvCxnSpPr>
+          <p:nvPr/>
+        </p:nvCxnSpPr>
+        <p:spPr>
+          <a:xfrm>
+            <a:off x="943993" y="3271393"/>
+            <a:ext cx="0" cy="205232"/>
+          </a:xfrm>
+          <a:prstGeom prst="line">
+            <a:avLst/>
+          </a:prstGeom>
+          <a:ln w="38100">
+            <a:solidFill>
+              <a:srgbClr val="0070C0"/>
+            </a:solidFill>
+          </a:ln>
+        </p:spPr>
+        <p:style>
+          <a:lnRef idx="2">
+            <a:schemeClr val="accent1"/>
+          </a:lnRef>
+          <a:fillRef idx="0">
+            <a:schemeClr val="accent1"/>
+          </a:fillRef>
+          <a:effectRef idx="1">
+            <a:schemeClr val="accent1"/>
+          </a:effectRef>
+          <a:fontRef idx="minor">
+            <a:schemeClr val="tx1"/>
+          </a:fontRef>
+        </p:style>
+      </p:cxnSp>
+      <p:cxnSp>
+        <p:nvCxnSpPr>
+          <p:cNvPr id="1053" name="Straight Connector 1052">
+            <a:extLst>
+              <a:ext uri="{FF2B5EF4-FFF2-40B4-BE49-F238E27FC236}">
+                <a16:creationId xmlns:a16="http://schemas.microsoft.com/office/drawing/2014/main" id="{DDA4EAC4-C9D8-5E48-C634-0ABC884D8933}"/>
+              </a:ext>
+            </a:extLst>
+          </p:cNvPr>
+          <p:cNvCxnSpPr>
+            <a:cxnSpLocks/>
+          </p:cNvCxnSpPr>
+          <p:nvPr/>
+        </p:nvCxnSpPr>
+        <p:spPr>
+          <a:xfrm>
+            <a:off x="4897522" y="5346074"/>
+            <a:ext cx="660624" cy="11578"/>
+          </a:xfrm>
+          <a:prstGeom prst="line">
+            <a:avLst/>
+          </a:prstGeom>
+          <a:ln w="38100">
+            <a:solidFill>
+              <a:schemeClr val="tx2">
+                <a:lumMod val="75000"/>
+                <a:lumOff val="25000"/>
+              </a:schemeClr>
+            </a:solidFill>
+          </a:ln>
+        </p:spPr>
+        <p:style>
+          <a:lnRef idx="2">
+            <a:schemeClr val="accent1"/>
+          </a:lnRef>
+          <a:fillRef idx="0">
+            <a:schemeClr val="accent1"/>
+          </a:fillRef>
+          <a:effectRef idx="1">
+            <a:schemeClr val="accent1"/>
+          </a:effectRef>
+          <a:fontRef idx="minor">
+            <a:schemeClr val="tx1"/>
+          </a:fontRef>
+        </p:style>
+      </p:cxnSp>
+      <p:cxnSp>
+        <p:nvCxnSpPr>
+          <p:cNvPr id="1050" name="Straight Connector 1049">
+            <a:extLst>
+              <a:ext uri="{FF2B5EF4-FFF2-40B4-BE49-F238E27FC236}">
+                <a16:creationId xmlns:a16="http://schemas.microsoft.com/office/drawing/2014/main" id="{37307AF2-6CD0-75FC-2737-8A039C95D560}"/>
+              </a:ext>
+            </a:extLst>
+          </p:cNvPr>
+          <p:cNvCxnSpPr>
+            <a:cxnSpLocks/>
+          </p:cNvCxnSpPr>
+          <p:nvPr/>
+        </p:nvCxnSpPr>
+        <p:spPr>
+          <a:xfrm flipH="1" flipV="1">
+            <a:off x="5474648" y="3130988"/>
+            <a:ext cx="39277" cy="2317928"/>
+          </a:xfrm>
+          <a:prstGeom prst="line">
+            <a:avLst/>
+          </a:prstGeom>
+          <a:ln w="38100">
+            <a:solidFill>
+              <a:schemeClr val="accent2">
+                <a:lumMod val="75000"/>
+              </a:schemeClr>
+            </a:solidFill>
+          </a:ln>
+        </p:spPr>
+        <p:style>
+          <a:lnRef idx="2">
+            <a:schemeClr val="accent1"/>
+          </a:lnRef>
+          <a:fillRef idx="0">
+            <a:schemeClr val="accent1"/>
+          </a:fillRef>
+          <a:effectRef idx="1">
+            <a:schemeClr val="accent1"/>
+          </a:effectRef>
+          <a:fontRef idx="minor">
+            <a:schemeClr val="tx1"/>
+          </a:fontRef>
+        </p:style>
+      </p:cxnSp>
+      <p:pic>
+        <p:nvPicPr>
+          <p:cNvPr id="1058" name="Picture 4" descr="Liberty Cable 24-1P-P485-WHT 1000ft White RS-485/DMX-512 24 AWG 1-Pair Dual  Shielded Low Capacitance Plenum Cable Reel">
+            <a:extLst>
+              <a:ext uri="{FF2B5EF4-FFF2-40B4-BE49-F238E27FC236}">
+                <a16:creationId xmlns:a16="http://schemas.microsoft.com/office/drawing/2014/main" id="{E010A6C9-C384-797D-203D-5D6E71816015}"/>
+              </a:ext>
+            </a:extLst>
+          </p:cNvPr>
+          <p:cNvPicPr>
+            <a:picLocks noChangeAspect="1" noChangeArrowheads="1"/>
+          </p:cNvPicPr>
+          <p:nvPr/>
+        </p:nvPicPr>
+        <p:blipFill>
+          <a:blip r:embed="rId10">
+            <a:extLst>
+              <a:ext uri="{28A0092B-C50C-407E-A947-70E740481C1C}">
+                <a14:useLocalDpi xmlns:a14="http://schemas.microsoft.com/office/drawing/2010/main" val="0"/>
+              </a:ext>
+            </a:extLst>
+          </a:blip>
+          <a:srcRect/>
+          <a:stretch>
+            <a:fillRect/>
+          </a:stretch>
+        </p:blipFill>
+        <p:spPr bwMode="auto">
+          <a:xfrm>
+            <a:off x="3870078" y="5533755"/>
+            <a:ext cx="1830424" cy="656303"/>
+          </a:xfrm>
+          <a:prstGeom prst="rect">
+            <a:avLst/>
+          </a:prstGeom>
+          <a:noFill/>
+          <a:extLst>
+            <a:ext uri="{909E8E84-426E-40DD-AFC4-6F175D3DCCD1}">
+              <a14:hiddenFill xmlns:a14="http://schemas.microsoft.com/office/drawing/2010/main">
+                <a:solidFill>
+                  <a:srgbClr val="FFFFFF"/>
+                </a:solidFill>
+              </a14:hiddenFill>
+            </a:ext>
+          </a:extLst>
+        </p:spPr>
+      </p:pic>
+      <p:sp>
+        <p:nvSpPr>
+          <p:cNvPr id="1059" name="TextBox 1058">
+            <a:extLst>
+              <a:ext uri="{FF2B5EF4-FFF2-40B4-BE49-F238E27FC236}">
+                <a16:creationId xmlns:a16="http://schemas.microsoft.com/office/drawing/2014/main" id="{45395684-8058-731F-F3EA-E75174B2B026}"/>
+              </a:ext>
+            </a:extLst>
+          </p:cNvPr>
+          <p:cNvSpPr txBox="1"/>
+          <p:nvPr/>
+        </p:nvSpPr>
+        <p:spPr>
+          <a:xfrm>
+            <a:off x="2081349" y="5844789"/>
+            <a:ext cx="2388171" cy="369332"/>
+          </a:xfrm>
+          <a:prstGeom prst="rect">
+            <a:avLst/>
+          </a:prstGeom>
+          <a:noFill/>
+        </p:spPr>
+        <p:txBody>
+          <a:bodyPr wrap="square" rtlCol="0">
+            <a:spAutoFit/>
+          </a:bodyPr>
+          <a:lstStyle/>
+          <a:p>
+            <a:r>
+              <a:rPr lang="en-US" dirty="0" err="1"/>
+              <a:t>Dây</a:t>
+            </a:r>
+            <a:r>
+              <a:rPr lang="en-US" dirty="0"/>
+              <a:t> </a:t>
+            </a:r>
+            <a:r>
+              <a:rPr lang="en-US" dirty="0" err="1"/>
+              <a:t>cáp</a:t>
+            </a:r>
+            <a:r>
+              <a:rPr lang="en-US" dirty="0"/>
+              <a:t> </a:t>
+            </a:r>
+            <a:r>
+              <a:rPr lang="en-US" dirty="0" err="1"/>
+              <a:t>kết</a:t>
+            </a:r>
+            <a:r>
+              <a:rPr lang="en-US" dirty="0"/>
+              <a:t> </a:t>
+            </a:r>
+            <a:r>
+              <a:rPr lang="en-US" dirty="0" err="1"/>
+              <a:t>nối</a:t>
+            </a:r>
+            <a:r>
+              <a:rPr lang="en-US" dirty="0"/>
+              <a:t> RS485</a:t>
+            </a:r>
+          </a:p>
+        </p:txBody>
+      </p:sp>
+      <p:sp>
+        <p:nvSpPr>
+          <p:cNvPr id="1060" name="TextBox 1059">
+            <a:extLst>
+              <a:ext uri="{FF2B5EF4-FFF2-40B4-BE49-F238E27FC236}">
+                <a16:creationId xmlns:a16="http://schemas.microsoft.com/office/drawing/2014/main" id="{B4542514-7732-844E-378B-6AB808D0CE5C}"/>
+              </a:ext>
+            </a:extLst>
+          </p:cNvPr>
+          <p:cNvSpPr txBox="1"/>
+          <p:nvPr/>
+        </p:nvSpPr>
+        <p:spPr>
+          <a:xfrm>
+            <a:off x="150124" y="2727174"/>
+            <a:ext cx="2388171" cy="369332"/>
+          </a:xfrm>
+          <a:prstGeom prst="rect">
+            <a:avLst/>
+          </a:prstGeom>
+          <a:noFill/>
+        </p:spPr>
+        <p:txBody>
+          <a:bodyPr wrap="square" rtlCol="0">
+            <a:spAutoFit/>
+          </a:bodyPr>
+          <a:lstStyle/>
+          <a:p>
+            <a:r>
+              <a:rPr lang="en-US" dirty="0"/>
+              <a:t>KẾT NỐI SẠC</a:t>
+            </a:r>
+          </a:p>
+        </p:txBody>
+      </p:sp>
+    </p:spTree>
+    <p:extLst>
+      <p:ext uri="{BB962C8B-B14F-4D97-AF65-F5344CB8AC3E}">
+        <p14:creationId xmlns:p14="http://schemas.microsoft.com/office/powerpoint/2010/main" val="574810667"/>
+      </p:ext>
+    </p:extLst>
+  </p:cSld>
+  <p:clrMapOvr>
+    <a:masterClrMapping/>
+  </p:clrMapOvr>
+</p:sld>
+</file>
+
 <file path=ppt/theme/theme1.xml><?xml version="1.0" encoding="utf-8"?>
 <a:theme xmlns:a="http://schemas.openxmlformats.org/drawingml/2006/main" name="Office Theme">
   <a:themeElements>
